--- a/template.pptx
+++ b/template.pptx
@@ -261,7 +261,7 @@
           <a:p>
             <a:fld id="{526F9597-C1B3-304A-92E3-4DBC353C9964}" type="datetimeFigureOut">
               <a:rPr lang="de-DE" smtClean="0"/>
-              <a:t>29.11.24</a:t>
+              <a:t>12.12.24</a:t>
             </a:fld>
             <a:endParaRPr lang="de-DE"/>
           </a:p>
@@ -459,7 +459,7 @@
           <a:p>
             <a:fld id="{526F9597-C1B3-304A-92E3-4DBC353C9964}" type="datetimeFigureOut">
               <a:rPr lang="de-DE" smtClean="0"/>
-              <a:t>29.11.24</a:t>
+              <a:t>12.12.24</a:t>
             </a:fld>
             <a:endParaRPr lang="de-DE"/>
           </a:p>
@@ -667,7 +667,7 @@
           <a:p>
             <a:fld id="{526F9597-C1B3-304A-92E3-4DBC353C9964}" type="datetimeFigureOut">
               <a:rPr lang="de-DE" smtClean="0"/>
-              <a:t>29.11.24</a:t>
+              <a:t>12.12.24</a:t>
             </a:fld>
             <a:endParaRPr lang="de-DE"/>
           </a:p>
@@ -814,7 +814,7 @@
           <a:p>
             <a:fld id="{526F9597-C1B3-304A-92E3-4DBC353C9964}" type="datetimeFigureOut">
               <a:rPr lang="de-DE" smtClean="0"/>
-              <a:t>29.11.24</a:t>
+              <a:t>12.12.24</a:t>
             </a:fld>
             <a:endParaRPr lang="de-DE"/>
           </a:p>
@@ -1119,7 +1119,7 @@
           <a:p>
             <a:fld id="{526F9597-C1B3-304A-92E3-4DBC353C9964}" type="datetimeFigureOut">
               <a:rPr lang="de-DE" smtClean="0"/>
-              <a:t>29.11.24</a:t>
+              <a:t>12.12.24</a:t>
             </a:fld>
             <a:endParaRPr lang="de-DE"/>
           </a:p>
@@ -1384,7 +1384,7 @@
           <a:p>
             <a:fld id="{526F9597-C1B3-304A-92E3-4DBC353C9964}" type="datetimeFigureOut">
               <a:rPr lang="de-DE" smtClean="0"/>
-              <a:t>29.11.24</a:t>
+              <a:t>12.12.24</a:t>
             </a:fld>
             <a:endParaRPr lang="de-DE"/>
           </a:p>
@@ -1796,7 +1796,7 @@
           <a:p>
             <a:fld id="{526F9597-C1B3-304A-92E3-4DBC353C9964}" type="datetimeFigureOut">
               <a:rPr lang="de-DE" smtClean="0"/>
-              <a:t>29.11.24</a:t>
+              <a:t>12.12.24</a:t>
             </a:fld>
             <a:endParaRPr lang="de-DE"/>
           </a:p>
@@ -1937,7 +1937,7 @@
           <a:p>
             <a:fld id="{526F9597-C1B3-304A-92E3-4DBC353C9964}" type="datetimeFigureOut">
               <a:rPr lang="de-DE" smtClean="0"/>
-              <a:t>29.11.24</a:t>
+              <a:t>12.12.24</a:t>
             </a:fld>
             <a:endParaRPr lang="de-DE"/>
           </a:p>
@@ -2050,7 +2050,7 @@
           <a:p>
             <a:fld id="{526F9597-C1B3-304A-92E3-4DBC353C9964}" type="datetimeFigureOut">
               <a:rPr lang="de-DE" smtClean="0"/>
-              <a:t>29.11.24</a:t>
+              <a:t>12.12.24</a:t>
             </a:fld>
             <a:endParaRPr lang="de-DE"/>
           </a:p>
@@ -2361,7 +2361,7 @@
           <a:p>
             <a:fld id="{526F9597-C1B3-304A-92E3-4DBC353C9964}" type="datetimeFigureOut">
               <a:rPr lang="de-DE" smtClean="0"/>
-              <a:t>29.11.24</a:t>
+              <a:t>12.12.24</a:t>
             </a:fld>
             <a:endParaRPr lang="de-DE"/>
           </a:p>
@@ -2649,7 +2649,7 @@
           <a:p>
             <a:fld id="{526F9597-C1B3-304A-92E3-4DBC353C9964}" type="datetimeFigureOut">
               <a:rPr lang="de-DE" smtClean="0"/>
-              <a:t>29.11.24</a:t>
+              <a:t>12.12.24</a:t>
             </a:fld>
             <a:endParaRPr lang="de-DE"/>
           </a:p>
@@ -2890,7 +2890,7 @@
           <a:p>
             <a:fld id="{526F9597-C1B3-304A-92E3-4DBC353C9964}" type="datetimeFigureOut">
               <a:rPr lang="de-DE" smtClean="0"/>
-              <a:t>29.11.24</a:t>
+              <a:t>12.12.24</a:t>
             </a:fld>
             <a:endParaRPr lang="de-DE"/>
           </a:p>
